--- a/module-3/Building-Microservices-Inter-Process-Communication-in-a-Microservices-Architecture.pptx
+++ b/module-3/Building-Microservices-Inter-Process-Communication-in-a-Microservices-Architecture.pptx
@@ -211,7 +211,7 @@
           <a:p>
             <a:fld id="{48916CC3-93D3-493F-AB31-D58643D7584F}" type="datetimeFigureOut">
               <a:rPr lang="en-US" smtClean="0"/>
-              <a:t>1/4/2022</a:t>
+              <a:t>1/8/2022</a:t>
             </a:fld>
             <a:endParaRPr lang="en-US"/>
           </a:p>
@@ -694,7 +694,7 @@
           <a:p>
             <a:fld id="{8D7A4492-54C4-48ED-86E5-56FF5FFD4E80}" type="datetimeFigureOut">
               <a:rPr lang="en-US" smtClean="0"/>
-              <a:t>1/4/2022</a:t>
+              <a:t>1/8/2022</a:t>
             </a:fld>
             <a:endParaRPr lang="en-US"/>
           </a:p>
@@ -864,7 +864,7 @@
           <a:p>
             <a:fld id="{8D7A4492-54C4-48ED-86E5-56FF5FFD4E80}" type="datetimeFigureOut">
               <a:rPr lang="en-US" smtClean="0"/>
-              <a:t>1/4/2022</a:t>
+              <a:t>1/8/2022</a:t>
             </a:fld>
             <a:endParaRPr lang="en-US"/>
           </a:p>
@@ -1044,7 +1044,7 @@
           <a:p>
             <a:fld id="{8D7A4492-54C4-48ED-86E5-56FF5FFD4E80}" type="datetimeFigureOut">
               <a:rPr lang="en-US" smtClean="0"/>
-              <a:t>1/4/2022</a:t>
+              <a:t>1/8/2022</a:t>
             </a:fld>
             <a:endParaRPr lang="en-US"/>
           </a:p>
@@ -1214,7 +1214,7 @@
           <a:p>
             <a:fld id="{8D7A4492-54C4-48ED-86E5-56FF5FFD4E80}" type="datetimeFigureOut">
               <a:rPr lang="en-US" smtClean="0"/>
-              <a:t>1/4/2022</a:t>
+              <a:t>1/8/2022</a:t>
             </a:fld>
             <a:endParaRPr lang="en-US"/>
           </a:p>
@@ -1460,7 +1460,7 @@
           <a:p>
             <a:fld id="{8D7A4492-54C4-48ED-86E5-56FF5FFD4E80}" type="datetimeFigureOut">
               <a:rPr lang="en-US" smtClean="0"/>
-              <a:t>1/4/2022</a:t>
+              <a:t>1/8/2022</a:t>
             </a:fld>
             <a:endParaRPr lang="en-US"/>
           </a:p>
@@ -1692,7 +1692,7 @@
           <a:p>
             <a:fld id="{8D7A4492-54C4-48ED-86E5-56FF5FFD4E80}" type="datetimeFigureOut">
               <a:rPr lang="en-US" smtClean="0"/>
-              <a:t>1/4/2022</a:t>
+              <a:t>1/8/2022</a:t>
             </a:fld>
             <a:endParaRPr lang="en-US"/>
           </a:p>
@@ -2059,7 +2059,7 @@
           <a:p>
             <a:fld id="{8D7A4492-54C4-48ED-86E5-56FF5FFD4E80}" type="datetimeFigureOut">
               <a:rPr lang="en-US" smtClean="0"/>
-              <a:t>1/4/2022</a:t>
+              <a:t>1/8/2022</a:t>
             </a:fld>
             <a:endParaRPr lang="en-US"/>
           </a:p>
@@ -2177,7 +2177,7 @@
           <a:p>
             <a:fld id="{8D7A4492-54C4-48ED-86E5-56FF5FFD4E80}" type="datetimeFigureOut">
               <a:rPr lang="en-US" smtClean="0"/>
-              <a:t>1/4/2022</a:t>
+              <a:t>1/8/2022</a:t>
             </a:fld>
             <a:endParaRPr lang="en-US"/>
           </a:p>
@@ -2272,7 +2272,7 @@
           <a:p>
             <a:fld id="{8D7A4492-54C4-48ED-86E5-56FF5FFD4E80}" type="datetimeFigureOut">
               <a:rPr lang="en-US" smtClean="0"/>
-              <a:t>1/4/2022</a:t>
+              <a:t>1/8/2022</a:t>
             </a:fld>
             <a:endParaRPr lang="en-US"/>
           </a:p>
@@ -2549,7 +2549,7 @@
           <a:p>
             <a:fld id="{8D7A4492-54C4-48ED-86E5-56FF5FFD4E80}" type="datetimeFigureOut">
               <a:rPr lang="en-US" smtClean="0"/>
-              <a:t>1/4/2022</a:t>
+              <a:t>1/8/2022</a:t>
             </a:fld>
             <a:endParaRPr lang="en-US"/>
           </a:p>
@@ -2802,7 +2802,7 @@
           <a:p>
             <a:fld id="{8D7A4492-54C4-48ED-86E5-56FF5FFD4E80}" type="datetimeFigureOut">
               <a:rPr lang="en-US" smtClean="0"/>
-              <a:t>1/4/2022</a:t>
+              <a:t>1/8/2022</a:t>
             </a:fld>
             <a:endParaRPr lang="en-US"/>
           </a:p>
@@ -3015,7 +3015,7 @@
           <a:p>
             <a:fld id="{8D7A4492-54C4-48ED-86E5-56FF5FFD4E80}" type="datetimeFigureOut">
               <a:rPr lang="en-US" smtClean="0"/>
-              <a:t>1/4/2022</a:t>
+              <a:t>1/8/2022</a:t>
             </a:fld>
             <a:endParaRPr lang="en-US"/>
           </a:p>
@@ -3529,9 +3529,84 @@
   <p:timing>
     <p:tnLst>
       <p:par>
-        <p:cTn id="1" dur="indefinite" restart="never" nodeType="tmRoot"/>
+        <p:cTn id="1" dur="indefinite" restart="never" nodeType="tmRoot">
+          <p:childTnLst>
+            <p:seq concurrent="1" nextAc="seek">
+              <p:cTn id="2" dur="indefinite" nodeType="mainSeq">
+                <p:childTnLst>
+                  <p:par>
+                    <p:cTn id="3" fill="hold">
+                      <p:stCondLst>
+                        <p:cond delay="indefinite"/>
+                      </p:stCondLst>
+                      <p:childTnLst>
+                        <p:par>
+                          <p:cTn id="4" fill="hold">
+                            <p:stCondLst>
+                              <p:cond delay="0"/>
+                            </p:stCondLst>
+                            <p:childTnLst>
+                              <p:par>
+                                <p:cTn id="5" presetID="1" presetClass="entr" presetSubtype="0" fill="hold" grpId="0" nodeType="clickEffect">
+                                  <p:stCondLst>
+                                    <p:cond delay="0"/>
+                                  </p:stCondLst>
+                                  <p:childTnLst>
+                                    <p:set>
+                                      <p:cBhvr>
+                                        <p:cTn id="6" dur="1" fill="hold">
+                                          <p:stCondLst>
+                                            <p:cond delay="0"/>
+                                          </p:stCondLst>
+                                        </p:cTn>
+                                        <p:tgtEl>
+                                          <p:spTgt spid="3">
+                                            <p:txEl>
+                                              <p:pRg st="0" end="0"/>
+                                            </p:txEl>
+                                          </p:spTgt>
+                                        </p:tgtEl>
+                                        <p:attrNameLst>
+                                          <p:attrName>style.visibility</p:attrName>
+                                        </p:attrNameLst>
+                                      </p:cBhvr>
+                                      <p:to>
+                                        <p:strVal val="visible"/>
+                                      </p:to>
+                                    </p:set>
+                                  </p:childTnLst>
+                                </p:cTn>
+                              </p:par>
+                            </p:childTnLst>
+                          </p:cTn>
+                        </p:par>
+                      </p:childTnLst>
+                    </p:cTn>
+                  </p:par>
+                </p:childTnLst>
+              </p:cTn>
+              <p:prevCondLst>
+                <p:cond evt="onPrev" delay="0">
+                  <p:tgtEl>
+                    <p:sldTgt/>
+                  </p:tgtEl>
+                </p:cond>
+              </p:prevCondLst>
+              <p:nextCondLst>
+                <p:cond evt="onNext" delay="0">
+                  <p:tgtEl>
+                    <p:sldTgt/>
+                  </p:tgtEl>
+                </p:cond>
+              </p:nextCondLst>
+            </p:seq>
+          </p:childTnLst>
+        </p:cTn>
       </p:par>
     </p:tnLst>
+    <p:bldLst>
+      <p:bldP spid="3" grpId="0" build="p"/>
+    </p:bldLst>
   </p:timing>
 </p:sld>
 </file>
@@ -3907,9 +3982,180 @@
   <p:timing>
     <p:tnLst>
       <p:par>
-        <p:cTn id="1" dur="indefinite" restart="never" nodeType="tmRoot"/>
+        <p:cTn id="1" dur="indefinite" restart="never" nodeType="tmRoot">
+          <p:childTnLst>
+            <p:seq concurrent="1" nextAc="seek">
+              <p:cTn id="2" dur="indefinite" nodeType="mainSeq">
+                <p:childTnLst>
+                  <p:par>
+                    <p:cTn id="3" fill="hold">
+                      <p:stCondLst>
+                        <p:cond delay="indefinite"/>
+                      </p:stCondLst>
+                      <p:childTnLst>
+                        <p:par>
+                          <p:cTn id="4" fill="hold">
+                            <p:stCondLst>
+                              <p:cond delay="0"/>
+                            </p:stCondLst>
+                            <p:childTnLst>
+                              <p:par>
+                                <p:cTn id="5" presetID="1" presetClass="entr" presetSubtype="0" fill="hold" nodeType="clickEffect">
+                                  <p:stCondLst>
+                                    <p:cond delay="0"/>
+                                  </p:stCondLst>
+                                  <p:childTnLst>
+                                    <p:set>
+                                      <p:cBhvr>
+                                        <p:cTn id="6" dur="1" fill="hold">
+                                          <p:stCondLst>
+                                            <p:cond delay="0"/>
+                                          </p:stCondLst>
+                                        </p:cTn>
+                                        <p:tgtEl>
+                                          <p:spTgt spid="18"/>
+                                        </p:tgtEl>
+                                        <p:attrNameLst>
+                                          <p:attrName>style.visibility</p:attrName>
+                                        </p:attrNameLst>
+                                      </p:cBhvr>
+                                      <p:to>
+                                        <p:strVal val="visible"/>
+                                      </p:to>
+                                    </p:set>
+                                  </p:childTnLst>
+                                </p:cTn>
+                              </p:par>
+                              <p:par>
+                                <p:cTn id="7" presetID="1" presetClass="entr" presetSubtype="0" fill="hold" grpId="0" nodeType="withEffect">
+                                  <p:stCondLst>
+                                    <p:cond delay="0"/>
+                                  </p:stCondLst>
+                                  <p:childTnLst>
+                                    <p:set>
+                                      <p:cBhvr>
+                                        <p:cTn id="8" dur="1" fill="hold">
+                                          <p:stCondLst>
+                                            <p:cond delay="0"/>
+                                          </p:stCondLst>
+                                        </p:cTn>
+                                        <p:tgtEl>
+                                          <p:spTgt spid="5"/>
+                                        </p:tgtEl>
+                                        <p:attrNameLst>
+                                          <p:attrName>style.visibility</p:attrName>
+                                        </p:attrNameLst>
+                                      </p:cBhvr>
+                                      <p:to>
+                                        <p:strVal val="visible"/>
+                                      </p:to>
+                                    </p:set>
+                                  </p:childTnLst>
+                                </p:cTn>
+                              </p:par>
+                            </p:childTnLst>
+                          </p:cTn>
+                        </p:par>
+                      </p:childTnLst>
+                    </p:cTn>
+                  </p:par>
+                  <p:par>
+                    <p:cTn id="9" fill="hold">
+                      <p:stCondLst>
+                        <p:cond delay="indefinite"/>
+                      </p:stCondLst>
+                      <p:childTnLst>
+                        <p:par>
+                          <p:cTn id="10" fill="hold">
+                            <p:stCondLst>
+                              <p:cond delay="0"/>
+                            </p:stCondLst>
+                            <p:childTnLst>
+                              <p:par>
+                                <p:cTn id="11" presetID="1" presetClass="entr" presetSubtype="0" fill="hold" nodeType="clickEffect">
+                                  <p:stCondLst>
+                                    <p:cond delay="0"/>
+                                  </p:stCondLst>
+                                  <p:childTnLst>
+                                    <p:set>
+                                      <p:cBhvr>
+                                        <p:cTn id="12" dur="1" fill="hold">
+                                          <p:stCondLst>
+                                            <p:cond delay="0"/>
+                                          </p:stCondLst>
+                                        </p:cTn>
+                                        <p:tgtEl>
+                                          <p:spTgt spid="5122"/>
+                                        </p:tgtEl>
+                                        <p:attrNameLst>
+                                          <p:attrName>style.visibility</p:attrName>
+                                        </p:attrNameLst>
+                                      </p:cBhvr>
+                                      <p:to>
+                                        <p:strVal val="visible"/>
+                                      </p:to>
+                                    </p:set>
+                                  </p:childTnLst>
+                                </p:cTn>
+                              </p:par>
+                              <p:par>
+                                <p:cTn id="13" presetID="1" presetClass="entr" presetSubtype="0" fill="hold" grpId="0" nodeType="withEffect">
+                                  <p:stCondLst>
+                                    <p:cond delay="0"/>
+                                  </p:stCondLst>
+                                  <p:childTnLst>
+                                    <p:set>
+                                      <p:cBhvr>
+                                        <p:cTn id="14" dur="1" fill="hold">
+                                          <p:stCondLst>
+                                            <p:cond delay="0"/>
+                                          </p:stCondLst>
+                                        </p:cTn>
+                                        <p:tgtEl>
+                                          <p:spTgt spid="7"/>
+                                        </p:tgtEl>
+                                        <p:attrNameLst>
+                                          <p:attrName>style.visibility</p:attrName>
+                                        </p:attrNameLst>
+                                      </p:cBhvr>
+                                      <p:to>
+                                        <p:strVal val="visible"/>
+                                      </p:to>
+                                    </p:set>
+                                  </p:childTnLst>
+                                </p:cTn>
+                              </p:par>
+                            </p:childTnLst>
+                          </p:cTn>
+                        </p:par>
+                      </p:childTnLst>
+                    </p:cTn>
+                  </p:par>
+                </p:childTnLst>
+              </p:cTn>
+              <p:prevCondLst>
+                <p:cond evt="onPrev" delay="0">
+                  <p:tgtEl>
+                    <p:sldTgt/>
+                  </p:tgtEl>
+                </p:cond>
+              </p:prevCondLst>
+              <p:nextCondLst>
+                <p:cond evt="onNext" delay="0">
+                  <p:tgtEl>
+                    <p:sldTgt/>
+                  </p:tgtEl>
+                </p:cond>
+              </p:nextCondLst>
+            </p:seq>
+          </p:childTnLst>
+        </p:cTn>
       </p:par>
     </p:tnLst>
+    <p:bldLst>
+      <p:bldP spid="5" grpId="0"/>
+      <p:bldP spid="7" grpId="0"/>
+    </p:bldLst>
   </p:timing>
 </p:sld>
 </file>
@@ -4291,7 +4537,7 @@
                 <a:latin typeface="Times New Roman" panose="02020603050405020304" pitchFamily="18" charset="0"/>
                 <a:cs typeface="Times New Roman" panose="02020603050405020304" pitchFamily="18" charset="0"/>
               </a:rPr>
-              <a:t>Rabbitmq</a:t>
+              <a:t>RabbitMQ</a:t>
             </a:r>
             <a:r>
               <a:rPr lang="en-US" dirty="0" smtClean="0">
@@ -4489,9 +4735,279 @@
   <p:timing>
     <p:tnLst>
       <p:par>
-        <p:cTn id="1" dur="indefinite" restart="never" nodeType="tmRoot"/>
+        <p:cTn id="1" dur="indefinite" restart="never" nodeType="tmRoot">
+          <p:childTnLst>
+            <p:seq concurrent="1" nextAc="seek">
+              <p:cTn id="2" dur="indefinite" nodeType="mainSeq">
+                <p:childTnLst>
+                  <p:par>
+                    <p:cTn id="3" fill="hold">
+                      <p:stCondLst>
+                        <p:cond delay="indefinite"/>
+                        <p:cond evt="onBegin" delay="0">
+                          <p:tn val="2"/>
+                        </p:cond>
+                      </p:stCondLst>
+                      <p:childTnLst>
+                        <p:par>
+                          <p:cTn id="4" fill="hold">
+                            <p:stCondLst>
+                              <p:cond delay="0"/>
+                            </p:stCondLst>
+                            <p:childTnLst>
+                              <p:par>
+                                <p:cTn id="5" presetID="1" presetClass="entr" presetSubtype="0" fill="hold" grpId="0" nodeType="withEffect">
+                                  <p:stCondLst>
+                                    <p:cond delay="0"/>
+                                  </p:stCondLst>
+                                  <p:childTnLst>
+                                    <p:set>
+                                      <p:cBhvr>
+                                        <p:cTn id="6" dur="1" fill="hold">
+                                          <p:stCondLst>
+                                            <p:cond delay="0"/>
+                                          </p:stCondLst>
+                                        </p:cTn>
+                                        <p:tgtEl>
+                                          <p:spTgt spid="5"/>
+                                        </p:tgtEl>
+                                        <p:attrNameLst>
+                                          <p:attrName>style.visibility</p:attrName>
+                                        </p:attrNameLst>
+                                      </p:cBhvr>
+                                      <p:to>
+                                        <p:strVal val="visible"/>
+                                      </p:to>
+                                    </p:set>
+                                  </p:childTnLst>
+                                </p:cTn>
+                              </p:par>
+                            </p:childTnLst>
+                          </p:cTn>
+                        </p:par>
+                      </p:childTnLst>
+                    </p:cTn>
+                  </p:par>
+                  <p:par>
+                    <p:cTn id="7" fill="hold">
+                      <p:stCondLst>
+                        <p:cond delay="indefinite"/>
+                      </p:stCondLst>
+                      <p:childTnLst>
+                        <p:par>
+                          <p:cTn id="8" fill="hold">
+                            <p:stCondLst>
+                              <p:cond delay="0"/>
+                            </p:stCondLst>
+                            <p:childTnLst>
+                              <p:par>
+                                <p:cTn id="9" presetID="1" presetClass="entr" presetSubtype="0" fill="hold" nodeType="clickEffect">
+                                  <p:stCondLst>
+                                    <p:cond delay="0"/>
+                                  </p:stCondLst>
+                                  <p:childTnLst>
+                                    <p:set>
+                                      <p:cBhvr>
+                                        <p:cTn id="10" dur="1" fill="hold">
+                                          <p:stCondLst>
+                                            <p:cond delay="0"/>
+                                          </p:stCondLst>
+                                        </p:cTn>
+                                        <p:tgtEl>
+                                          <p:spTgt spid="7"/>
+                                        </p:tgtEl>
+                                        <p:attrNameLst>
+                                          <p:attrName>style.visibility</p:attrName>
+                                        </p:attrNameLst>
+                                      </p:cBhvr>
+                                      <p:to>
+                                        <p:strVal val="visible"/>
+                                      </p:to>
+                                    </p:set>
+                                  </p:childTnLst>
+                                </p:cTn>
+                              </p:par>
+                              <p:par>
+                                <p:cTn id="11" presetID="1" presetClass="entr" presetSubtype="0" fill="hold" grpId="0" nodeType="withEffect">
+                                  <p:stCondLst>
+                                    <p:cond delay="0"/>
+                                  </p:stCondLst>
+                                  <p:childTnLst>
+                                    <p:set>
+                                      <p:cBhvr>
+                                        <p:cTn id="12" dur="1" fill="hold">
+                                          <p:stCondLst>
+                                            <p:cond delay="0"/>
+                                          </p:stCondLst>
+                                        </p:cTn>
+                                        <p:tgtEl>
+                                          <p:spTgt spid="6"/>
+                                        </p:tgtEl>
+                                        <p:attrNameLst>
+                                          <p:attrName>style.visibility</p:attrName>
+                                        </p:attrNameLst>
+                                      </p:cBhvr>
+                                      <p:to>
+                                        <p:strVal val="visible"/>
+                                      </p:to>
+                                    </p:set>
+                                  </p:childTnLst>
+                                </p:cTn>
+                              </p:par>
+                            </p:childTnLst>
+                          </p:cTn>
+                        </p:par>
+                      </p:childTnLst>
+                    </p:cTn>
+                  </p:par>
+                  <p:par>
+                    <p:cTn id="13" fill="hold">
+                      <p:stCondLst>
+                        <p:cond delay="indefinite"/>
+                      </p:stCondLst>
+                      <p:childTnLst>
+                        <p:par>
+                          <p:cTn id="14" fill="hold">
+                            <p:stCondLst>
+                              <p:cond delay="0"/>
+                            </p:stCondLst>
+                            <p:childTnLst>
+                              <p:par>
+                                <p:cTn id="15" presetID="31" presetClass="entr" presetSubtype="0" fill="hold" grpId="0" nodeType="clickEffect">
+                                  <p:stCondLst>
+                                    <p:cond delay="0"/>
+                                  </p:stCondLst>
+                                  <p:childTnLst>
+                                    <p:set>
+                                      <p:cBhvr>
+                                        <p:cTn id="16" dur="1" fill="hold">
+                                          <p:stCondLst>
+                                            <p:cond delay="0"/>
+                                          </p:stCondLst>
+                                        </p:cTn>
+                                        <p:tgtEl>
+                                          <p:spTgt spid="8"/>
+                                        </p:tgtEl>
+                                        <p:attrNameLst>
+                                          <p:attrName>style.visibility</p:attrName>
+                                        </p:attrNameLst>
+                                      </p:cBhvr>
+                                      <p:to>
+                                        <p:strVal val="visible"/>
+                                      </p:to>
+                                    </p:set>
+                                    <p:anim calcmode="lin" valueType="num">
+                                      <p:cBhvr>
+                                        <p:cTn id="17" dur="1000" fill="hold"/>
+                                        <p:tgtEl>
+                                          <p:spTgt spid="8"/>
+                                        </p:tgtEl>
+                                        <p:attrNameLst>
+                                          <p:attrName>ppt_w</p:attrName>
+                                        </p:attrNameLst>
+                                      </p:cBhvr>
+                                      <p:tavLst>
+                                        <p:tav tm="0">
+                                          <p:val>
+                                            <p:fltVal val="0"/>
+                                          </p:val>
+                                        </p:tav>
+                                        <p:tav tm="100000">
+                                          <p:val>
+                                            <p:strVal val="#ppt_w"/>
+                                          </p:val>
+                                        </p:tav>
+                                      </p:tavLst>
+                                    </p:anim>
+                                    <p:anim calcmode="lin" valueType="num">
+                                      <p:cBhvr>
+                                        <p:cTn id="18" dur="1000" fill="hold"/>
+                                        <p:tgtEl>
+                                          <p:spTgt spid="8"/>
+                                        </p:tgtEl>
+                                        <p:attrNameLst>
+                                          <p:attrName>ppt_h</p:attrName>
+                                        </p:attrNameLst>
+                                      </p:cBhvr>
+                                      <p:tavLst>
+                                        <p:tav tm="0">
+                                          <p:val>
+                                            <p:fltVal val="0"/>
+                                          </p:val>
+                                        </p:tav>
+                                        <p:tav tm="100000">
+                                          <p:val>
+                                            <p:strVal val="#ppt_h"/>
+                                          </p:val>
+                                        </p:tav>
+                                      </p:tavLst>
+                                    </p:anim>
+                                    <p:anim calcmode="lin" valueType="num">
+                                      <p:cBhvr>
+                                        <p:cTn id="19" dur="1000" fill="hold"/>
+                                        <p:tgtEl>
+                                          <p:spTgt spid="8"/>
+                                        </p:tgtEl>
+                                        <p:attrNameLst>
+                                          <p:attrName>style.rotation</p:attrName>
+                                        </p:attrNameLst>
+                                      </p:cBhvr>
+                                      <p:tavLst>
+                                        <p:tav tm="0">
+                                          <p:val>
+                                            <p:fltVal val="90"/>
+                                          </p:val>
+                                        </p:tav>
+                                        <p:tav tm="100000">
+                                          <p:val>
+                                            <p:fltVal val="0"/>
+                                          </p:val>
+                                        </p:tav>
+                                      </p:tavLst>
+                                    </p:anim>
+                                    <p:animEffect transition="in" filter="fade">
+                                      <p:cBhvr>
+                                        <p:cTn id="20" dur="1000"/>
+                                        <p:tgtEl>
+                                          <p:spTgt spid="8"/>
+                                        </p:tgtEl>
+                                      </p:cBhvr>
+                                    </p:animEffect>
+                                  </p:childTnLst>
+                                </p:cTn>
+                              </p:par>
+                            </p:childTnLst>
+                          </p:cTn>
+                        </p:par>
+                      </p:childTnLst>
+                    </p:cTn>
+                  </p:par>
+                </p:childTnLst>
+              </p:cTn>
+              <p:prevCondLst>
+                <p:cond evt="onPrev" delay="0">
+                  <p:tgtEl>
+                    <p:sldTgt/>
+                  </p:tgtEl>
+                </p:cond>
+              </p:prevCondLst>
+              <p:nextCondLst>
+                <p:cond evt="onNext" delay="0">
+                  <p:tgtEl>
+                    <p:sldTgt/>
+                  </p:tgtEl>
+                </p:cond>
+              </p:nextCondLst>
+            </p:seq>
+          </p:childTnLst>
+        </p:cTn>
       </p:par>
     </p:tnLst>
+    <p:bldLst>
+      <p:bldP spid="5" grpId="0"/>
+      <p:bldP spid="6" grpId="0"/>
+      <p:bldP spid="8" grpId="0" animBg="1"/>
+    </p:bldLst>
   </p:timing>
 </p:sld>
 </file>
@@ -4627,7 +5143,7 @@
         </p:nvSpPr>
         <p:spPr>
           <a:xfrm flipH="1">
-            <a:off x="4609607" y="5761704"/>
+            <a:off x="4609607" y="5378246"/>
             <a:ext cx="2972784" cy="369332"/>
           </a:xfrm>
           <a:prstGeom prst="rect">
@@ -4675,9 +5191,157 @@
   <p:timing>
     <p:tnLst>
       <p:par>
-        <p:cTn id="1" dur="indefinite" restart="never" nodeType="tmRoot"/>
+        <p:cTn id="1" dur="indefinite" restart="never" nodeType="tmRoot">
+          <p:childTnLst>
+            <p:seq concurrent="1" nextAc="seek">
+              <p:cTn id="2" dur="indefinite" nodeType="mainSeq">
+                <p:childTnLst>
+                  <p:par>
+                    <p:cTn id="3" fill="hold">
+                      <p:stCondLst>
+                        <p:cond delay="indefinite"/>
+                      </p:stCondLst>
+                      <p:childTnLst>
+                        <p:par>
+                          <p:cTn id="4" fill="hold">
+                            <p:stCondLst>
+                              <p:cond delay="0"/>
+                            </p:stCondLst>
+                            <p:childTnLst>
+                              <p:par>
+                                <p:cTn id="5" presetID="31" presetClass="entr" presetSubtype="0" fill="hold" grpId="0" nodeType="clickEffect">
+                                  <p:stCondLst>
+                                    <p:cond delay="0"/>
+                                  </p:stCondLst>
+                                  <p:childTnLst>
+                                    <p:set>
+                                      <p:cBhvr>
+                                        <p:cTn id="6" dur="1" fill="hold">
+                                          <p:stCondLst>
+                                            <p:cond delay="0"/>
+                                          </p:stCondLst>
+                                        </p:cTn>
+                                        <p:tgtEl>
+                                          <p:spTgt spid="11"/>
+                                        </p:tgtEl>
+                                        <p:attrNameLst>
+                                          <p:attrName>style.visibility</p:attrName>
+                                        </p:attrNameLst>
+                                      </p:cBhvr>
+                                      <p:to>
+                                        <p:strVal val="visible"/>
+                                      </p:to>
+                                    </p:set>
+                                    <p:anim calcmode="lin" valueType="num">
+                                      <p:cBhvr>
+                                        <p:cTn id="7" dur="1000" fill="hold"/>
+                                        <p:tgtEl>
+                                          <p:spTgt spid="11"/>
+                                        </p:tgtEl>
+                                        <p:attrNameLst>
+                                          <p:attrName>ppt_w</p:attrName>
+                                        </p:attrNameLst>
+                                      </p:cBhvr>
+                                      <p:tavLst>
+                                        <p:tav tm="0">
+                                          <p:val>
+                                            <p:fltVal val="0"/>
+                                          </p:val>
+                                        </p:tav>
+                                        <p:tav tm="100000">
+                                          <p:val>
+                                            <p:strVal val="#ppt_w"/>
+                                          </p:val>
+                                        </p:tav>
+                                      </p:tavLst>
+                                    </p:anim>
+                                    <p:anim calcmode="lin" valueType="num">
+                                      <p:cBhvr>
+                                        <p:cTn id="8" dur="1000" fill="hold"/>
+                                        <p:tgtEl>
+                                          <p:spTgt spid="11"/>
+                                        </p:tgtEl>
+                                        <p:attrNameLst>
+                                          <p:attrName>ppt_h</p:attrName>
+                                        </p:attrNameLst>
+                                      </p:cBhvr>
+                                      <p:tavLst>
+                                        <p:tav tm="0">
+                                          <p:val>
+                                            <p:fltVal val="0"/>
+                                          </p:val>
+                                        </p:tav>
+                                        <p:tav tm="100000">
+                                          <p:val>
+                                            <p:strVal val="#ppt_h"/>
+                                          </p:val>
+                                        </p:tav>
+                                      </p:tavLst>
+                                    </p:anim>
+                                    <p:anim calcmode="lin" valueType="num">
+                                      <p:cBhvr>
+                                        <p:cTn id="9" dur="1000" fill="hold"/>
+                                        <p:tgtEl>
+                                          <p:spTgt spid="11"/>
+                                        </p:tgtEl>
+                                        <p:attrNameLst>
+                                          <p:attrName>style.rotation</p:attrName>
+                                        </p:attrNameLst>
+                                      </p:cBhvr>
+                                      <p:tavLst>
+                                        <p:tav tm="0">
+                                          <p:val>
+                                            <p:fltVal val="90"/>
+                                          </p:val>
+                                        </p:tav>
+                                        <p:tav tm="100000">
+                                          <p:val>
+                                            <p:fltVal val="0"/>
+                                          </p:val>
+                                        </p:tav>
+                                      </p:tavLst>
+                                    </p:anim>
+                                    <p:animEffect transition="in" filter="fade">
+                                      <p:cBhvr>
+                                        <p:cTn id="10" dur="1000"/>
+                                        <p:tgtEl>
+                                          <p:spTgt spid="11"/>
+                                        </p:tgtEl>
+                                      </p:cBhvr>
+                                    </p:animEffect>
+                                  </p:childTnLst>
+                                </p:cTn>
+                              </p:par>
+                            </p:childTnLst>
+                          </p:cTn>
+                        </p:par>
+                      </p:childTnLst>
+                    </p:cTn>
+                  </p:par>
+                </p:childTnLst>
+              </p:cTn>
+              <p:prevCondLst>
+                <p:cond evt="onPrev" delay="0">
+                  <p:tgtEl>
+                    <p:sldTgt/>
+                  </p:tgtEl>
+                </p:cond>
+              </p:prevCondLst>
+              <p:nextCondLst>
+                <p:cond evt="onNext" delay="0">
+                  <p:tgtEl>
+                    <p:sldTgt/>
+                  </p:tgtEl>
+                </p:cond>
+              </p:nextCondLst>
+            </p:seq>
+          </p:childTnLst>
+        </p:cTn>
       </p:par>
     </p:tnLst>
+    <p:bldLst>
+      <p:bldP spid="11" grpId="0" animBg="1"/>
+    </p:bldLst>
   </p:timing>
 </p:sld>
 </file>
@@ -5024,8 +5688,8 @@
         </p:nvSpPr>
         <p:spPr>
           <a:xfrm flipH="1">
-            <a:off x="8181913" y="2114265"/>
-            <a:ext cx="2972784" cy="369332"/>
+            <a:off x="8181913" y="2054942"/>
+            <a:ext cx="2176370" cy="369332"/>
           </a:xfrm>
           <a:prstGeom prst="rect">
             <a:avLst/>
@@ -5079,9 +5743,301 @@
   <p:timing>
     <p:tnLst>
       <p:par>
-        <p:cTn id="1" dur="indefinite" restart="never" nodeType="tmRoot"/>
+        <p:cTn id="1" dur="indefinite" restart="never" nodeType="tmRoot">
+          <p:childTnLst>
+            <p:seq concurrent="1" nextAc="seek">
+              <p:cTn id="2" dur="indefinite" nodeType="mainSeq">
+                <p:childTnLst>
+                  <p:par>
+                    <p:cTn id="3" fill="hold">
+                      <p:stCondLst>
+                        <p:cond delay="indefinite"/>
+                      </p:stCondLst>
+                      <p:childTnLst>
+                        <p:par>
+                          <p:cTn id="4" fill="hold">
+                            <p:stCondLst>
+                              <p:cond delay="0"/>
+                            </p:stCondLst>
+                            <p:childTnLst>
+                              <p:par>
+                                <p:cTn id="5" presetID="1" presetClass="entr" presetSubtype="0" fill="hold" nodeType="clickEffect">
+                                  <p:stCondLst>
+                                    <p:cond delay="0"/>
+                                  </p:stCondLst>
+                                  <p:childTnLst>
+                                    <p:set>
+                                      <p:cBhvr>
+                                        <p:cTn id="6" dur="1" fill="hold">
+                                          <p:stCondLst>
+                                            <p:cond delay="0"/>
+                                          </p:stCondLst>
+                                        </p:cTn>
+                                        <p:tgtEl>
+                                          <p:spTgt spid="6148"/>
+                                        </p:tgtEl>
+                                        <p:attrNameLst>
+                                          <p:attrName>style.visibility</p:attrName>
+                                        </p:attrNameLst>
+                                      </p:cBhvr>
+                                      <p:to>
+                                        <p:strVal val="visible"/>
+                                      </p:to>
+                                    </p:set>
+                                  </p:childTnLst>
+                                </p:cTn>
+                              </p:par>
+                              <p:par>
+                                <p:cTn id="7" presetID="1" presetClass="entr" presetSubtype="0" fill="hold" nodeType="withEffect">
+                                  <p:stCondLst>
+                                    <p:cond delay="0"/>
+                                  </p:stCondLst>
+                                  <p:childTnLst>
+                                    <p:set>
+                                      <p:cBhvr>
+                                        <p:cTn id="8" dur="1" fill="hold">
+                                          <p:stCondLst>
+                                            <p:cond delay="0"/>
+                                          </p:stCondLst>
+                                        </p:cTn>
+                                        <p:tgtEl>
+                                          <p:spTgt spid="6150"/>
+                                        </p:tgtEl>
+                                        <p:attrNameLst>
+                                          <p:attrName>style.visibility</p:attrName>
+                                        </p:attrNameLst>
+                                      </p:cBhvr>
+                                      <p:to>
+                                        <p:strVal val="visible"/>
+                                      </p:to>
+                                    </p:set>
+                                  </p:childTnLst>
+                                </p:cTn>
+                              </p:par>
+                            </p:childTnLst>
+                          </p:cTn>
+                        </p:par>
+                      </p:childTnLst>
+                    </p:cTn>
+                  </p:par>
+                  <p:par>
+                    <p:cTn id="9" fill="hold">
+                      <p:stCondLst>
+                        <p:cond delay="indefinite"/>
+                      </p:stCondLst>
+                      <p:childTnLst>
+                        <p:par>
+                          <p:cTn id="10" fill="hold">
+                            <p:stCondLst>
+                              <p:cond delay="0"/>
+                            </p:stCondLst>
+                            <p:childTnLst>
+                              <p:par>
+                                <p:cTn id="11" presetID="1" presetClass="entr" presetSubtype="0" fill="hold" nodeType="clickEffect">
+                                  <p:stCondLst>
+                                    <p:cond delay="0"/>
+                                  </p:stCondLst>
+                                  <p:childTnLst>
+                                    <p:set>
+                                      <p:cBhvr>
+                                        <p:cTn id="12" dur="1" fill="hold">
+                                          <p:stCondLst>
+                                            <p:cond delay="0"/>
+                                          </p:stCondLst>
+                                        </p:cTn>
+                                        <p:tgtEl>
+                                          <p:spTgt spid="6158"/>
+                                        </p:tgtEl>
+                                        <p:attrNameLst>
+                                          <p:attrName>style.visibility</p:attrName>
+                                        </p:attrNameLst>
+                                      </p:cBhvr>
+                                      <p:to>
+                                        <p:strVal val="visible"/>
+                                      </p:to>
+                                    </p:set>
+                                  </p:childTnLst>
+                                </p:cTn>
+                              </p:par>
+                              <p:par>
+                                <p:cTn id="13" presetID="1" presetClass="entr" presetSubtype="0" fill="hold" nodeType="withEffect">
+                                  <p:stCondLst>
+                                    <p:cond delay="0"/>
+                                  </p:stCondLst>
+                                  <p:childTnLst>
+                                    <p:set>
+                                      <p:cBhvr>
+                                        <p:cTn id="14" dur="1" fill="hold">
+                                          <p:stCondLst>
+                                            <p:cond delay="0"/>
+                                          </p:stCondLst>
+                                        </p:cTn>
+                                        <p:tgtEl>
+                                          <p:spTgt spid="6160"/>
+                                        </p:tgtEl>
+                                        <p:attrNameLst>
+                                          <p:attrName>style.visibility</p:attrName>
+                                        </p:attrNameLst>
+                                      </p:cBhvr>
+                                      <p:to>
+                                        <p:strVal val="visible"/>
+                                      </p:to>
+                                    </p:set>
+                                  </p:childTnLst>
+                                </p:cTn>
+                              </p:par>
+                            </p:childTnLst>
+                          </p:cTn>
+                        </p:par>
+                      </p:childTnLst>
+                    </p:cTn>
+                  </p:par>
+                  <p:par>
+                    <p:cTn id="15" fill="hold">
+                      <p:stCondLst>
+                        <p:cond delay="indefinite"/>
+                      </p:stCondLst>
+                      <p:childTnLst>
+                        <p:par>
+                          <p:cTn id="16" fill="hold">
+                            <p:stCondLst>
+                              <p:cond delay="0"/>
+                            </p:stCondLst>
+                            <p:childTnLst>
+                              <p:par>
+                                <p:cTn id="17" presetID="31" presetClass="entr" presetSubtype="0" fill="hold" grpId="0" nodeType="clickEffect">
+                                  <p:stCondLst>
+                                    <p:cond delay="0"/>
+                                  </p:stCondLst>
+                                  <p:childTnLst>
+                                    <p:set>
+                                      <p:cBhvr>
+                                        <p:cTn id="18" dur="1" fill="hold">
+                                          <p:stCondLst>
+                                            <p:cond delay="0"/>
+                                          </p:stCondLst>
+                                        </p:cTn>
+                                        <p:tgtEl>
+                                          <p:spTgt spid="15"/>
+                                        </p:tgtEl>
+                                        <p:attrNameLst>
+                                          <p:attrName>style.visibility</p:attrName>
+                                        </p:attrNameLst>
+                                      </p:cBhvr>
+                                      <p:to>
+                                        <p:strVal val="visible"/>
+                                      </p:to>
+                                    </p:set>
+                                    <p:anim calcmode="lin" valueType="num">
+                                      <p:cBhvr>
+                                        <p:cTn id="19" dur="1000" fill="hold"/>
+                                        <p:tgtEl>
+                                          <p:spTgt spid="15"/>
+                                        </p:tgtEl>
+                                        <p:attrNameLst>
+                                          <p:attrName>ppt_w</p:attrName>
+                                        </p:attrNameLst>
+                                      </p:cBhvr>
+                                      <p:tavLst>
+                                        <p:tav tm="0">
+                                          <p:val>
+                                            <p:fltVal val="0"/>
+                                          </p:val>
+                                        </p:tav>
+                                        <p:tav tm="100000">
+                                          <p:val>
+                                            <p:strVal val="#ppt_w"/>
+                                          </p:val>
+                                        </p:tav>
+                                      </p:tavLst>
+                                    </p:anim>
+                                    <p:anim calcmode="lin" valueType="num">
+                                      <p:cBhvr>
+                                        <p:cTn id="20" dur="1000" fill="hold"/>
+                                        <p:tgtEl>
+                                          <p:spTgt spid="15"/>
+                                        </p:tgtEl>
+                                        <p:attrNameLst>
+                                          <p:attrName>ppt_h</p:attrName>
+                                        </p:attrNameLst>
+                                      </p:cBhvr>
+                                      <p:tavLst>
+                                        <p:tav tm="0">
+                                          <p:val>
+                                            <p:fltVal val="0"/>
+                                          </p:val>
+                                        </p:tav>
+                                        <p:tav tm="100000">
+                                          <p:val>
+                                            <p:strVal val="#ppt_h"/>
+                                          </p:val>
+                                        </p:tav>
+                                      </p:tavLst>
+                                    </p:anim>
+                                    <p:anim calcmode="lin" valueType="num">
+                                      <p:cBhvr>
+                                        <p:cTn id="21" dur="1000" fill="hold"/>
+                                        <p:tgtEl>
+                                          <p:spTgt spid="15"/>
+                                        </p:tgtEl>
+                                        <p:attrNameLst>
+                                          <p:attrName>style.rotation</p:attrName>
+                                        </p:attrNameLst>
+                                      </p:cBhvr>
+                                      <p:tavLst>
+                                        <p:tav tm="0">
+                                          <p:val>
+                                            <p:fltVal val="90"/>
+                                          </p:val>
+                                        </p:tav>
+                                        <p:tav tm="100000">
+                                          <p:val>
+                                            <p:fltVal val="0"/>
+                                          </p:val>
+                                        </p:tav>
+                                      </p:tavLst>
+                                    </p:anim>
+                                    <p:animEffect transition="in" filter="fade">
+                                      <p:cBhvr>
+                                        <p:cTn id="22" dur="1000"/>
+                                        <p:tgtEl>
+                                          <p:spTgt spid="15"/>
+                                        </p:tgtEl>
+                                      </p:cBhvr>
+                                    </p:animEffect>
+                                  </p:childTnLst>
+                                </p:cTn>
+                              </p:par>
+                            </p:childTnLst>
+                          </p:cTn>
+                        </p:par>
+                      </p:childTnLst>
+                    </p:cTn>
+                  </p:par>
+                </p:childTnLst>
+              </p:cTn>
+              <p:prevCondLst>
+                <p:cond evt="onPrev" delay="0">
+                  <p:tgtEl>
+                    <p:sldTgt/>
+                  </p:tgtEl>
+                </p:cond>
+              </p:prevCondLst>
+              <p:nextCondLst>
+                <p:cond evt="onNext" delay="0">
+                  <p:tgtEl>
+                    <p:sldTgt/>
+                  </p:tgtEl>
+                </p:cond>
+              </p:nextCondLst>
+            </p:seq>
+          </p:childTnLst>
+        </p:cTn>
       </p:par>
     </p:tnLst>
+    <p:bldLst>
+      <p:bldP spid="15" grpId="0" animBg="1"/>
+    </p:bldLst>
   </p:timing>
 </p:sld>
 </file>
@@ -6573,6 +7529,13 @@
   <p:clrMapOvr>
     <a:masterClrMapping/>
   </p:clrMapOvr>
+  <p:timing>
+    <p:tnLst>
+      <p:par>
+        <p:cTn id="1" dur="indefinite" restart="never" nodeType="tmRoot"/>
+      </p:par>
+    </p:tnLst>
+  </p:timing>
 </p:sld>
 </file>
 
@@ -7516,7 +8479,7 @@
         </p:nvSpPr>
         <p:spPr>
           <a:xfrm>
-            <a:off x="8072283" y="2143432"/>
+            <a:off x="7649496" y="2222090"/>
             <a:ext cx="3549446" cy="923330"/>
           </a:xfrm>
           <a:prstGeom prst="rect">
@@ -7542,14 +8505,65 @@
                 <a:latin typeface="Times New Roman" panose="02020603050405020304" pitchFamily="18" charset="0"/>
                 <a:cs typeface="Times New Roman" panose="02020603050405020304" pitchFamily="18" charset="0"/>
               </a:rPr>
-              <a:t>Lab:</a:t>
-            </a:r>
-          </a:p>
-          <a:p>
-            <a:pPr marL="285750" indent="-285750">
-              <a:buFontTx/>
-              <a:buChar char="-"/>
-            </a:pPr>
+              <a:t>Lab</a:t>
+            </a:r>
+            <a:r>
+              <a:rPr lang="en-US" dirty="0" smtClean="0">
+                <a:latin typeface="Times New Roman" panose="02020603050405020304" pitchFamily="18" charset="0"/>
+                <a:cs typeface="Times New Roman" panose="02020603050405020304" pitchFamily="18" charset="0"/>
+              </a:rPr>
+              <a:t>:</a:t>
+            </a:r>
+          </a:p>
+          <a:p>
+            <a:r>
+              <a:rPr lang="en-US" dirty="0" smtClean="0">
+                <a:latin typeface="Times New Roman" panose="02020603050405020304" pitchFamily="18" charset="0"/>
+                <a:cs typeface="Times New Roman" panose="02020603050405020304" pitchFamily="18" charset="0"/>
+              </a:rPr>
+              <a:t>- REST </a:t>
+            </a:r>
+            <a:r>
+              <a:rPr lang="en-US" dirty="0">
+                <a:latin typeface="Times New Roman" panose="02020603050405020304" pitchFamily="18" charset="0"/>
+                <a:cs typeface="Times New Roman" panose="02020603050405020304" pitchFamily="18" charset="0"/>
+              </a:rPr>
+              <a:t>API, </a:t>
+            </a:r>
+            <a:r>
+              <a:rPr lang="en-US" dirty="0" err="1">
+                <a:latin typeface="Times New Roman" panose="02020603050405020304" pitchFamily="18" charset="0"/>
+                <a:cs typeface="Times New Roman" panose="02020603050405020304" pitchFamily="18" charset="0"/>
+              </a:rPr>
+              <a:t>OpenAPI</a:t>
+            </a:r>
+            <a:r>
+              <a:rPr lang="en-US" dirty="0">
+                <a:latin typeface="Times New Roman" panose="02020603050405020304" pitchFamily="18" charset="0"/>
+                <a:cs typeface="Times New Roman" panose="02020603050405020304" pitchFamily="18" charset="0"/>
+              </a:rPr>
+              <a:t>, </a:t>
+            </a:r>
+            <a:r>
+              <a:rPr lang="en-US" dirty="0" smtClean="0">
+                <a:latin typeface="Times New Roman" panose="02020603050405020304" pitchFamily="18" charset="0"/>
+                <a:cs typeface="Times New Roman" panose="02020603050405020304" pitchFamily="18" charset="0"/>
+              </a:rPr>
+              <a:t>Swagger</a:t>
+            </a:r>
+            <a:endParaRPr lang="en-US" dirty="0" smtClean="0">
+              <a:latin typeface="Times New Roman" panose="02020603050405020304" pitchFamily="18" charset="0"/>
+              <a:cs typeface="Times New Roman" panose="02020603050405020304" pitchFamily="18" charset="0"/>
+            </a:endParaRPr>
+          </a:p>
+          <a:p>
+            <a:r>
+              <a:rPr lang="en-US" dirty="0" smtClean="0">
+                <a:latin typeface="Times New Roman" panose="02020603050405020304" pitchFamily="18" charset="0"/>
+                <a:cs typeface="Times New Roman" panose="02020603050405020304" pitchFamily="18" charset="0"/>
+              </a:rPr>
+              <a:t>- </a:t>
+            </a:r>
             <a:r>
               <a:rPr lang="en-US" dirty="0" err="1" smtClean="0">
                 <a:latin typeface="Times New Roman" panose="02020603050405020304" pitchFamily="18" charset="0"/>
@@ -7562,36 +8576,16 @@
                 <a:latin typeface="Times New Roman" panose="02020603050405020304" pitchFamily="18" charset="0"/>
                 <a:cs typeface="Times New Roman" panose="02020603050405020304" pitchFamily="18" charset="0"/>
               </a:rPr>
-              <a:t>, GRPC</a:t>
-            </a:r>
-          </a:p>
-          <a:p>
-            <a:pPr marL="285750" indent="-285750">
-              <a:buFontTx/>
-              <a:buChar char="-"/>
-            </a:pPr>
+              <a:t>, </a:t>
+            </a:r>
             <a:r>
               <a:rPr lang="en-US" dirty="0" smtClean="0">
                 <a:latin typeface="Times New Roman" panose="02020603050405020304" pitchFamily="18" charset="0"/>
                 <a:cs typeface="Times New Roman" panose="02020603050405020304" pitchFamily="18" charset="0"/>
               </a:rPr>
-              <a:t>REST API, </a:t>
-            </a:r>
-            <a:r>
-              <a:rPr lang="en-US" dirty="0" err="1" smtClean="0">
-                <a:latin typeface="Times New Roman" panose="02020603050405020304" pitchFamily="18" charset="0"/>
-                <a:cs typeface="Times New Roman" panose="02020603050405020304" pitchFamily="18" charset="0"/>
-              </a:rPr>
-              <a:t>OpenAPI</a:t>
-            </a:r>
-            <a:r>
-              <a:rPr lang="en-US" dirty="0" smtClean="0">
-                <a:latin typeface="Times New Roman" panose="02020603050405020304" pitchFamily="18" charset="0"/>
-                <a:cs typeface="Times New Roman" panose="02020603050405020304" pitchFamily="18" charset="0"/>
-              </a:rPr>
-              <a:t>, Swagger</a:t>
-            </a:r>
-            <a:endParaRPr lang="en-US" dirty="0">
+              <a:t>GRPC</a:t>
+            </a:r>
+            <a:endParaRPr lang="en-US" dirty="0" smtClean="0">
               <a:latin typeface="Times New Roman" panose="02020603050405020304" pitchFamily="18" charset="0"/>
               <a:cs typeface="Times New Roman" panose="02020603050405020304" pitchFamily="18" charset="0"/>
             </a:endParaRPr>
@@ -7611,9 +8605,157 @@
   <p:timing>
     <p:tnLst>
       <p:par>
-        <p:cTn id="1" dur="indefinite" restart="never" nodeType="tmRoot"/>
+        <p:cTn id="1" dur="indefinite" restart="never" nodeType="tmRoot">
+          <p:childTnLst>
+            <p:seq concurrent="1" nextAc="seek">
+              <p:cTn id="2" dur="indefinite" nodeType="mainSeq">
+                <p:childTnLst>
+                  <p:par>
+                    <p:cTn id="3" fill="hold">
+                      <p:stCondLst>
+                        <p:cond delay="indefinite"/>
+                      </p:stCondLst>
+                      <p:childTnLst>
+                        <p:par>
+                          <p:cTn id="4" fill="hold">
+                            <p:stCondLst>
+                              <p:cond delay="0"/>
+                            </p:stCondLst>
+                            <p:childTnLst>
+                              <p:par>
+                                <p:cTn id="5" presetID="31" presetClass="entr" presetSubtype="0" fill="hold" grpId="0" nodeType="clickEffect">
+                                  <p:stCondLst>
+                                    <p:cond delay="0"/>
+                                  </p:stCondLst>
+                                  <p:childTnLst>
+                                    <p:set>
+                                      <p:cBhvr>
+                                        <p:cTn id="6" dur="1" fill="hold">
+                                          <p:stCondLst>
+                                            <p:cond delay="0"/>
+                                          </p:stCondLst>
+                                        </p:cTn>
+                                        <p:tgtEl>
+                                          <p:spTgt spid="4"/>
+                                        </p:tgtEl>
+                                        <p:attrNameLst>
+                                          <p:attrName>style.visibility</p:attrName>
+                                        </p:attrNameLst>
+                                      </p:cBhvr>
+                                      <p:to>
+                                        <p:strVal val="visible"/>
+                                      </p:to>
+                                    </p:set>
+                                    <p:anim calcmode="lin" valueType="num">
+                                      <p:cBhvr>
+                                        <p:cTn id="7" dur="1000" fill="hold"/>
+                                        <p:tgtEl>
+                                          <p:spTgt spid="4"/>
+                                        </p:tgtEl>
+                                        <p:attrNameLst>
+                                          <p:attrName>ppt_w</p:attrName>
+                                        </p:attrNameLst>
+                                      </p:cBhvr>
+                                      <p:tavLst>
+                                        <p:tav tm="0">
+                                          <p:val>
+                                            <p:fltVal val="0"/>
+                                          </p:val>
+                                        </p:tav>
+                                        <p:tav tm="100000">
+                                          <p:val>
+                                            <p:strVal val="#ppt_w"/>
+                                          </p:val>
+                                        </p:tav>
+                                      </p:tavLst>
+                                    </p:anim>
+                                    <p:anim calcmode="lin" valueType="num">
+                                      <p:cBhvr>
+                                        <p:cTn id="8" dur="1000" fill="hold"/>
+                                        <p:tgtEl>
+                                          <p:spTgt spid="4"/>
+                                        </p:tgtEl>
+                                        <p:attrNameLst>
+                                          <p:attrName>ppt_h</p:attrName>
+                                        </p:attrNameLst>
+                                      </p:cBhvr>
+                                      <p:tavLst>
+                                        <p:tav tm="0">
+                                          <p:val>
+                                            <p:fltVal val="0"/>
+                                          </p:val>
+                                        </p:tav>
+                                        <p:tav tm="100000">
+                                          <p:val>
+                                            <p:strVal val="#ppt_h"/>
+                                          </p:val>
+                                        </p:tav>
+                                      </p:tavLst>
+                                    </p:anim>
+                                    <p:anim calcmode="lin" valueType="num">
+                                      <p:cBhvr>
+                                        <p:cTn id="9" dur="1000" fill="hold"/>
+                                        <p:tgtEl>
+                                          <p:spTgt spid="4"/>
+                                        </p:tgtEl>
+                                        <p:attrNameLst>
+                                          <p:attrName>style.rotation</p:attrName>
+                                        </p:attrNameLst>
+                                      </p:cBhvr>
+                                      <p:tavLst>
+                                        <p:tav tm="0">
+                                          <p:val>
+                                            <p:fltVal val="90"/>
+                                          </p:val>
+                                        </p:tav>
+                                        <p:tav tm="100000">
+                                          <p:val>
+                                            <p:fltVal val="0"/>
+                                          </p:val>
+                                        </p:tav>
+                                      </p:tavLst>
+                                    </p:anim>
+                                    <p:animEffect transition="in" filter="fade">
+                                      <p:cBhvr>
+                                        <p:cTn id="10" dur="1000"/>
+                                        <p:tgtEl>
+                                          <p:spTgt spid="4"/>
+                                        </p:tgtEl>
+                                      </p:cBhvr>
+                                    </p:animEffect>
+                                  </p:childTnLst>
+                                </p:cTn>
+                              </p:par>
+                            </p:childTnLst>
+                          </p:cTn>
+                        </p:par>
+                      </p:childTnLst>
+                    </p:cTn>
+                  </p:par>
+                </p:childTnLst>
+              </p:cTn>
+              <p:prevCondLst>
+                <p:cond evt="onPrev" delay="0">
+                  <p:tgtEl>
+                    <p:sldTgt/>
+                  </p:tgtEl>
+                </p:cond>
+              </p:prevCondLst>
+              <p:nextCondLst>
+                <p:cond evt="onNext" delay="0">
+                  <p:tgtEl>
+                    <p:sldTgt/>
+                  </p:tgtEl>
+                </p:cond>
+              </p:nextCondLst>
+            </p:seq>
+          </p:childTnLst>
+        </p:cTn>
       </p:par>
     </p:tnLst>
+    <p:bldLst>
+      <p:bldP spid="4" grpId="0" animBg="1"/>
+    </p:bldLst>
   </p:timing>
 </p:sld>
 </file>
